--- a/CapstoneSlides/CapstoneClass04.pptx
+++ b/CapstoneSlides/CapstoneClass04.pptx
@@ -231,7 +231,7 @@
           <a:p>
             <a:fld id="{C24322AF-E05B-7249-906C-FBAC6154C037}" type="datetimeFigureOut">
               <a:rPr lang="en-US" smtClean="0"/>
-              <a:t>6/18/25</a:t>
+              <a:t>6/19/25</a:t>
             </a:fld>
             <a:endParaRPr lang="en-US"/>
           </a:p>
@@ -397,7 +397,7 @@
             <a:fld id="{06A43BE5-3BD4-F642-8751-88A31D8D6D13}" type="datetimeFigureOut">
               <a:rPr lang="en-US" smtClean="0"/>
               <a:pPr/>
-              <a:t>6/18/25</a:t>
+              <a:t>6/19/25</a:t>
             </a:fld>
             <a:endParaRPr lang="en-US"/>
           </a:p>
@@ -940,7 +940,7 @@
             <a:fld id="{A4FA2B0E-4818-9849-9CF1-1031FD4E1DAB}" type="datetimeFigureOut">
               <a:rPr lang="en-US" smtClean="0"/>
               <a:pPr/>
-              <a:t>6/18/25</a:t>
+              <a:t>6/19/25</a:t>
             </a:fld>
             <a:endParaRPr lang="en-US"/>
           </a:p>
@@ -1105,7 +1105,7 @@
             <a:fld id="{A4FA2B0E-4818-9849-9CF1-1031FD4E1DAB}" type="datetimeFigureOut">
               <a:rPr lang="en-US" smtClean="0"/>
               <a:pPr/>
-              <a:t>6/18/25</a:t>
+              <a:t>6/19/25</a:t>
             </a:fld>
             <a:endParaRPr lang="en-US"/>
           </a:p>
@@ -1280,7 +1280,7 @@
             <a:fld id="{A4FA2B0E-4818-9849-9CF1-1031FD4E1DAB}" type="datetimeFigureOut">
               <a:rPr lang="en-US" smtClean="0"/>
               <a:pPr/>
-              <a:t>6/18/25</a:t>
+              <a:t>6/19/25</a:t>
             </a:fld>
             <a:endParaRPr lang="en-US"/>
           </a:p>
@@ -1445,7 +1445,7 @@
             <a:fld id="{A4FA2B0E-4818-9849-9CF1-1031FD4E1DAB}" type="datetimeFigureOut">
               <a:rPr lang="en-US" smtClean="0"/>
               <a:pPr/>
-              <a:t>6/18/25</a:t>
+              <a:t>6/19/25</a:t>
             </a:fld>
             <a:endParaRPr lang="en-US"/>
           </a:p>
@@ -1687,7 +1687,7 @@
             <a:fld id="{A4FA2B0E-4818-9849-9CF1-1031FD4E1DAB}" type="datetimeFigureOut">
               <a:rPr lang="en-US" smtClean="0"/>
               <a:pPr/>
-              <a:t>6/18/25</a:t>
+              <a:t>6/19/25</a:t>
             </a:fld>
             <a:endParaRPr lang="en-US"/>
           </a:p>
@@ -1969,7 +1969,7 @@
             <a:fld id="{A4FA2B0E-4818-9849-9CF1-1031FD4E1DAB}" type="datetimeFigureOut">
               <a:rPr lang="en-US" smtClean="0"/>
               <a:pPr/>
-              <a:t>6/18/25</a:t>
+              <a:t>6/19/25</a:t>
             </a:fld>
             <a:endParaRPr lang="en-US"/>
           </a:p>
@@ -2385,7 +2385,7 @@
             <a:fld id="{A4FA2B0E-4818-9849-9CF1-1031FD4E1DAB}" type="datetimeFigureOut">
               <a:rPr lang="en-US" smtClean="0"/>
               <a:pPr/>
-              <a:t>6/18/25</a:t>
+              <a:t>6/19/25</a:t>
             </a:fld>
             <a:endParaRPr lang="en-US"/>
           </a:p>
@@ -2499,7 +2499,7 @@
             <a:fld id="{A4FA2B0E-4818-9849-9CF1-1031FD4E1DAB}" type="datetimeFigureOut">
               <a:rPr lang="en-US" smtClean="0"/>
               <a:pPr/>
-              <a:t>6/18/25</a:t>
+              <a:t>6/19/25</a:t>
             </a:fld>
             <a:endParaRPr lang="en-US"/>
           </a:p>
@@ -2591,7 +2591,7 @@
             <a:fld id="{A4FA2B0E-4818-9849-9CF1-1031FD4E1DAB}" type="datetimeFigureOut">
               <a:rPr lang="en-US" smtClean="0"/>
               <a:pPr/>
-              <a:t>6/18/25</a:t>
+              <a:t>6/19/25</a:t>
             </a:fld>
             <a:endParaRPr lang="en-US"/>
           </a:p>
@@ -2863,7 +2863,7 @@
             <a:fld id="{A4FA2B0E-4818-9849-9CF1-1031FD4E1DAB}" type="datetimeFigureOut">
               <a:rPr lang="en-US" smtClean="0"/>
               <a:pPr/>
-              <a:t>6/18/25</a:t>
+              <a:t>6/19/25</a:t>
             </a:fld>
             <a:endParaRPr lang="en-US"/>
           </a:p>
@@ -3112,7 +3112,7 @@
             <a:fld id="{A4FA2B0E-4818-9849-9CF1-1031FD4E1DAB}" type="datetimeFigureOut">
               <a:rPr lang="en-US" smtClean="0"/>
               <a:pPr/>
-              <a:t>6/18/25</a:t>
+              <a:t>6/19/25</a:t>
             </a:fld>
             <a:endParaRPr lang="en-US"/>
           </a:p>
@@ -3320,7 +3320,7 @@
             <a:fld id="{A4FA2B0E-4818-9849-9CF1-1031FD4E1DAB}" type="datetimeFigureOut">
               <a:rPr lang="en-US" smtClean="0"/>
               <a:pPr/>
-              <a:t>6/18/25</a:t>
+              <a:t>6/19/25</a:t>
             </a:fld>
             <a:endParaRPr lang="en-US"/>
           </a:p>
@@ -7148,7 +7148,7 @@
                 <a:ea typeface="MS Mincho" panose="02020609040205080304" pitchFamily="49" charset="-128"/>
                 <a:cs typeface="Times New Roman" panose="02020603050405020304" pitchFamily="18" charset="0"/>
               </a:rPr>
-              <a:t>The abstract should be submitted in electronic form before the start of the next class to the instructor via e-mail</a:t>
+              <a:t>The abstract should be submitted in electronic form before the start of the next class</a:t>
             </a:r>
           </a:p>
           <a:p>
